--- a/Task_2/Анализ и предсказание совокупного спроса и его составляющих.pptx
+++ b/Task_2/Анализ и предсказание совокупного спроса и его составляющих.pptx
@@ -114,6 +114,11 @@
       </a:defRPr>
     </a:lvl9pPr>
   </p:defaultTextStyle>
+  <p:extLst>
+    <p:ext uri="{EFAFB233-063F-42B5-8137-9DF3F51BA10A}">
+      <p15:sldGuideLst xmlns:p15="http://schemas.microsoft.com/office/powerpoint/2012/main"/>
+    </p:ext>
+  </p:extLst>
 </p:presentation>
 </file>
 
@@ -4060,8 +4065,29 @@
             </a:pPr>
             <a:r>
               <a:rPr lang="ru-RU" dirty="0" smtClean="0"/>
-              <a:t>Построена модель предсказывающая совокупный спрос </a:t>
-            </a:r>
+              <a:t>Построена </a:t>
+            </a:r>
+            <a:r>
+              <a:rPr lang="ru-RU" dirty="0" smtClean="0"/>
+              <a:t>модель</a:t>
+            </a:r>
+            <a:r>
+              <a:rPr lang="en-US" dirty="0" smtClean="0"/>
+              <a:t>,</a:t>
+            </a:r>
+            <a:r>
+              <a:rPr lang="ru-RU" dirty="0" smtClean="0"/>
+              <a:t> предсказывающая</a:t>
+            </a:r>
+            <a:r>
+              <a:rPr lang="en-US" dirty="0" smtClean="0"/>
+              <a:t> </a:t>
+            </a:r>
+            <a:r>
+              <a:rPr lang="ru-RU" dirty="0" smtClean="0"/>
+              <a:t>динамику совокупного спроса </a:t>
+            </a:r>
+            <a:endParaRPr lang="ru-RU" dirty="0" smtClean="0"/>
           </a:p>
           <a:p>
             <a:pPr marL="457200" indent="-457200">
@@ -4069,8 +4095,8 @@
               <a:buAutoNum type="arabicPeriod"/>
             </a:pPr>
             <a:r>
-              <a:rPr lang="ru-RU" smtClean="0"/>
-              <a:t>Эффект </a:t>
+              <a:rPr lang="ru-RU" dirty="0" smtClean="0"/>
+              <a:t>Эффекты </a:t>
             </a:r>
             <a:r>
               <a:rPr lang="ru-RU" dirty="0"/>
@@ -4078,7 +4104,11 @@
             </a:r>
             <a:r>
               <a:rPr lang="ru-RU" dirty="0" smtClean="0"/>
-              <a:t>богатства, эффект </a:t>
+              <a:t>богатства</a:t>
+            </a:r>
+            <a:r>
+              <a:rPr lang="ru-RU" dirty="0" smtClean="0"/>
+              <a:t>, </a:t>
             </a:r>
             <a:r>
               <a:rPr lang="ru-RU" dirty="0"/>
@@ -4086,7 +4116,11 @@
             </a:r>
             <a:r>
               <a:rPr lang="ru-RU" dirty="0" smtClean="0"/>
-              <a:t>ставки, эффект </a:t>
+              <a:t>ставки</a:t>
+            </a:r>
+            <a:r>
+              <a:rPr lang="ru-RU" dirty="0" smtClean="0"/>
+              <a:t>, </a:t>
             </a:r>
             <a:r>
               <a:rPr lang="ru-RU" dirty="0"/>
@@ -4094,7 +4128,27 @@
             </a:r>
             <a:r>
               <a:rPr lang="ru-RU" dirty="0" smtClean="0"/>
-              <a:t>закупок определены и объяснены на основе графиков составляющих совокупного спроса и других макроэкономических параметров</a:t>
+              <a:t>закупок определены и </a:t>
+            </a:r>
+            <a:r>
+              <a:rPr lang="ru-RU" dirty="0" smtClean="0"/>
+              <a:t>обоснованы </a:t>
+            </a:r>
+            <a:r>
+              <a:rPr lang="ru-RU" smtClean="0"/>
+              <a:t>на </a:t>
+            </a:r>
+            <a:r>
+              <a:rPr lang="ru-RU" smtClean="0"/>
+              <a:t>базе</a:t>
+            </a:r>
+            <a:r>
+              <a:rPr lang="ru-RU" smtClean="0"/>
+              <a:t> </a:t>
+            </a:r>
+            <a:r>
+              <a:rPr lang="ru-RU" dirty="0" smtClean="0"/>
+              <a:t>графиков составляющих совокупного спроса и других макроэкономических параметров</a:t>
             </a:r>
           </a:p>
           <a:p>
